--- a/Analisi del grafo di Wikipedia Italia 2013.pptx
+++ b/Analisi del grafo di Wikipedia Italia 2013.pptx
@@ -211,7 +211,7 @@
           <a:p>
             <a:fld id="{9F1D3054-ED1F-4564-A43D-245C54F5E63B}" type="datetimeFigureOut">
               <a:rPr lang="it-IT" smtClean="0"/>
-              <a:t>05/07/2024</a:t>
+              <a:t>06/07/2024</a:t>
             </a:fld>
             <a:endParaRPr lang="it-IT"/>
           </a:p>
@@ -961,7 +961,7 @@
           <a:p>
             <a:fld id="{762A533F-A804-43C1-8257-441EE3D3E5DF}" type="datetimeFigureOut">
               <a:rPr lang="it-IT" smtClean="0"/>
-              <a:t>05/07/2024</a:t>
+              <a:t>06/07/2024</a:t>
             </a:fld>
             <a:endParaRPr lang="it-IT"/>
           </a:p>
@@ -1159,7 +1159,7 @@
           <a:p>
             <a:fld id="{762A533F-A804-43C1-8257-441EE3D3E5DF}" type="datetimeFigureOut">
               <a:rPr lang="it-IT" smtClean="0"/>
-              <a:t>05/07/2024</a:t>
+              <a:t>06/07/2024</a:t>
             </a:fld>
             <a:endParaRPr lang="it-IT"/>
           </a:p>
@@ -1367,7 +1367,7 @@
           <a:p>
             <a:fld id="{762A533F-A804-43C1-8257-441EE3D3E5DF}" type="datetimeFigureOut">
               <a:rPr lang="it-IT" smtClean="0"/>
-              <a:t>05/07/2024</a:t>
+              <a:t>06/07/2024</a:t>
             </a:fld>
             <a:endParaRPr lang="it-IT"/>
           </a:p>
@@ -1565,7 +1565,7 @@
           <a:p>
             <a:fld id="{762A533F-A804-43C1-8257-441EE3D3E5DF}" type="datetimeFigureOut">
               <a:rPr lang="it-IT" smtClean="0"/>
-              <a:t>05/07/2024</a:t>
+              <a:t>06/07/2024</a:t>
             </a:fld>
             <a:endParaRPr lang="it-IT"/>
           </a:p>
@@ -1840,7 +1840,7 @@
           <a:p>
             <a:fld id="{762A533F-A804-43C1-8257-441EE3D3E5DF}" type="datetimeFigureOut">
               <a:rPr lang="it-IT" smtClean="0"/>
-              <a:t>05/07/2024</a:t>
+              <a:t>06/07/2024</a:t>
             </a:fld>
             <a:endParaRPr lang="it-IT"/>
           </a:p>
@@ -2105,7 +2105,7 @@
           <a:p>
             <a:fld id="{762A533F-A804-43C1-8257-441EE3D3E5DF}" type="datetimeFigureOut">
               <a:rPr lang="it-IT" smtClean="0"/>
-              <a:t>05/07/2024</a:t>
+              <a:t>06/07/2024</a:t>
             </a:fld>
             <a:endParaRPr lang="it-IT"/>
           </a:p>
@@ -2517,7 +2517,7 @@
           <a:p>
             <a:fld id="{762A533F-A804-43C1-8257-441EE3D3E5DF}" type="datetimeFigureOut">
               <a:rPr lang="it-IT" smtClean="0"/>
-              <a:t>05/07/2024</a:t>
+              <a:t>06/07/2024</a:t>
             </a:fld>
             <a:endParaRPr lang="it-IT"/>
           </a:p>
@@ -2658,7 +2658,7 @@
           <a:p>
             <a:fld id="{762A533F-A804-43C1-8257-441EE3D3E5DF}" type="datetimeFigureOut">
               <a:rPr lang="it-IT" smtClean="0"/>
-              <a:t>05/07/2024</a:t>
+              <a:t>06/07/2024</a:t>
             </a:fld>
             <a:endParaRPr lang="it-IT"/>
           </a:p>
@@ -2771,7 +2771,7 @@
           <a:p>
             <a:fld id="{762A533F-A804-43C1-8257-441EE3D3E5DF}" type="datetimeFigureOut">
               <a:rPr lang="it-IT" smtClean="0"/>
-              <a:t>05/07/2024</a:t>
+              <a:t>06/07/2024</a:t>
             </a:fld>
             <a:endParaRPr lang="it-IT"/>
           </a:p>
@@ -3082,7 +3082,7 @@
           <a:p>
             <a:fld id="{762A533F-A804-43C1-8257-441EE3D3E5DF}" type="datetimeFigureOut">
               <a:rPr lang="it-IT" smtClean="0"/>
-              <a:t>05/07/2024</a:t>
+              <a:t>06/07/2024</a:t>
             </a:fld>
             <a:endParaRPr lang="it-IT"/>
           </a:p>
@@ -3370,7 +3370,7 @@
           <a:p>
             <a:fld id="{762A533F-A804-43C1-8257-441EE3D3E5DF}" type="datetimeFigureOut">
               <a:rPr lang="it-IT" smtClean="0"/>
-              <a:t>05/07/2024</a:t>
+              <a:t>06/07/2024</a:t>
             </a:fld>
             <a:endParaRPr lang="it-IT"/>
           </a:p>
@@ -3614,7 +3614,7 @@
           <a:p>
             <a:fld id="{762A533F-A804-43C1-8257-441EE3D3E5DF}" type="datetimeFigureOut">
               <a:rPr lang="it-IT" smtClean="0"/>
-              <a:t>05/07/2024</a:t>
+              <a:t>06/07/2024</a:t>
             </a:fld>
             <a:endParaRPr lang="it-IT"/>
           </a:p>
@@ -6488,8 +6488,8 @@
         </p:blipFill>
         <p:spPr>
           <a:xfrm>
-            <a:off x="758046" y="1055905"/>
-            <a:ext cx="7242954" cy="5428469"/>
+            <a:off x="758046" y="1055906"/>
+            <a:ext cx="7242954" cy="5020430"/>
           </a:xfrm>
           <a:prstGeom prst="rect">
             <a:avLst/>
@@ -6518,8 +6518,8 @@
         </p:blipFill>
         <p:spPr>
           <a:xfrm>
-            <a:off x="758046" y="6116195"/>
-            <a:ext cx="10811102" cy="581106"/>
+            <a:off x="668594" y="5671966"/>
+            <a:ext cx="10990274" cy="698591"/>
           </a:xfrm>
           <a:prstGeom prst="rect">
             <a:avLst/>
@@ -18698,7 +18698,7 @@
             <p:spPr>
               <a:xfrm>
                 <a:off x="601972" y="4326194"/>
-                <a:ext cx="2081724" cy="646331"/>
+                <a:ext cx="1992469" cy="646331"/>
               </a:xfrm>
               <a:prstGeom prst="rect">
                 <a:avLst/>
@@ -18717,7 +18717,7 @@
                 </a:r>
                 <a:r>
                   <a:rPr lang="it-IT" b="1" dirty="0"/>
-                  <a:t>: O(m)</a:t>
+                  <a:t>: O(n)</a:t>
                 </a:r>
               </a:p>
               <a:p>
@@ -18761,7 +18761,7 @@
             <p:spPr>
               <a:xfrm>
                 <a:off x="601972" y="4326194"/>
-                <a:ext cx="2081724" cy="646331"/>
+                <a:ext cx="1992469" cy="646331"/>
               </a:xfrm>
               <a:prstGeom prst="rect">
                 <a:avLst/>
@@ -18769,7 +18769,7 @@
               <a:blipFill>
                 <a:blip r:embed="rId5"/>
                 <a:stretch>
-                  <a:fillRect l="-2639" t="-4717" r="-1760" b="-15094"/>
+                  <a:fillRect l="-2752" t="-4717" r="-2446" b="-15094"/>
                 </a:stretch>
               </a:blipFill>
             </p:spPr>
@@ -18886,8 +18886,8 @@
           </a:prstGeom>
         </p:spPr>
       </p:pic>
-      <mc:AlternateContent xmlns:mc="http://schemas.openxmlformats.org/markup-compatibility/2006">
-        <mc:Choice xmlns:a14="http://schemas.microsoft.com/office/drawing/2010/main" Requires="a14">
+      <mc:AlternateContent xmlns:mc="http://schemas.openxmlformats.org/markup-compatibility/2006" xmlns:a14="http://schemas.microsoft.com/office/drawing/2010/main">
+        <mc:Choice Requires="a14">
           <p:sp>
             <p:nvSpPr>
               <p:cNvPr id="2" name="CasellaDiTesto 1">
@@ -18948,7 +18948,7 @@
             </p:txBody>
           </p:sp>
         </mc:Choice>
-        <mc:Fallback>
+        <mc:Fallback xmlns="">
           <p:sp>
             <p:nvSpPr>
               <p:cNvPr id="2" name="CasellaDiTesto 1">
@@ -22607,8 +22607,8 @@
           </a:prstGeom>
         </p:spPr>
       </p:pic>
-      <mc:AlternateContent xmlns:mc="http://schemas.openxmlformats.org/markup-compatibility/2006">
-        <mc:Choice xmlns:a14="http://schemas.microsoft.com/office/drawing/2010/main" Requires="a14">
+      <mc:AlternateContent xmlns:mc="http://schemas.openxmlformats.org/markup-compatibility/2006" xmlns:a14="http://schemas.microsoft.com/office/drawing/2010/main">
+        <mc:Choice Requires="a14">
           <p:sp>
             <p:nvSpPr>
               <p:cNvPr id="2" name="CasellaDiTesto 1">
@@ -22665,7 +22665,7 @@
             </p:txBody>
           </p:sp>
         </mc:Choice>
-        <mc:Fallback>
+        <mc:Fallback xmlns="">
           <p:sp>
             <p:nvSpPr>
               <p:cNvPr id="2" name="CasellaDiTesto 1">
